--- a/meeting-notes/01:26:19.pptx
+++ b/meeting-notes/01:26:19.pptx
@@ -7,16 +7,17 @@
   <p:sldIdLst>
     <p:sldId id="262" r:id="rId2"/>
     <p:sldId id="263" r:id="rId3"/>
-    <p:sldId id="256" r:id="rId4"/>
-    <p:sldId id="257" r:id="rId5"/>
-    <p:sldId id="258" r:id="rId6"/>
-    <p:sldId id="259" r:id="rId7"/>
-    <p:sldId id="260" r:id="rId8"/>
-    <p:sldId id="264" r:id="rId9"/>
-    <p:sldId id="268" r:id="rId10"/>
-    <p:sldId id="265" r:id="rId11"/>
-    <p:sldId id="267" r:id="rId12"/>
-    <p:sldId id="266" r:id="rId13"/>
+    <p:sldId id="269" r:id="rId4"/>
+    <p:sldId id="256" r:id="rId5"/>
+    <p:sldId id="257" r:id="rId6"/>
+    <p:sldId id="258" r:id="rId7"/>
+    <p:sldId id="259" r:id="rId8"/>
+    <p:sldId id="260" r:id="rId9"/>
+    <p:sldId id="264" r:id="rId10"/>
+    <p:sldId id="268" r:id="rId11"/>
+    <p:sldId id="265" r:id="rId12"/>
+    <p:sldId id="267" r:id="rId13"/>
+    <p:sldId id="266" r:id="rId14"/>
   </p:sldIdLst>
   <p:sldSz cx="12192000" cy="6858000"/>
   <p:notesSz cx="6858000" cy="9144000"/>
@@ -115,6 +116,11 @@
       </a:defRPr>
     </a:lvl9pPr>
   </p:defaultTextStyle>
+  <p:extLst>
+    <p:ext uri="{EFAFB233-063F-42B5-8137-9DF3F51BA10A}">
+      <p15:sldGuideLst xmlns:p15="http://schemas.microsoft.com/office/powerpoint/2012/main"/>
+    </p:ext>
+  </p:extLst>
 </p:presentation>
 </file>
 
@@ -3420,6 +3426,69 @@
           <p:cNvPr id="2" name="Title 1">
             <a:extLst>
               <a:ext uri="{FF2B5EF4-FFF2-40B4-BE49-F238E27FC236}">
+                <a16:creationId xmlns:a16="http://schemas.microsoft.com/office/drawing/2014/main" id="{AE64AAA0-C990-8A42-917C-66036EFF282C}"/>
+              </a:ext>
+            </a:extLst>
+          </p:cNvPr>
+          <p:cNvSpPr>
+            <a:spLocks noGrp="1"/>
+          </p:cNvSpPr>
+          <p:nvPr>
+            <p:ph type="ctrTitle"/>
+          </p:nvPr>
+        </p:nvSpPr>
+        <p:spPr>
+          <a:xfrm>
+            <a:off x="1537854" y="1815090"/>
+            <a:ext cx="9144000" cy="2387600"/>
+          </a:xfrm>
+        </p:spPr>
+        <p:txBody>
+          <a:bodyPr/>
+          <a:lstStyle/>
+          <a:p>
+            <a:r>
+              <a:rPr lang="en-US" b="1" dirty="0"/>
+              <a:t>To Solve a Real World Business Problem!!!</a:t>
+            </a:r>
+          </a:p>
+        </p:txBody>
+      </p:sp>
+    </p:spTree>
+    <p:extLst>
+      <p:ext uri="{BB962C8B-B14F-4D97-AF65-F5344CB8AC3E}">
+        <p14:creationId xmlns:p14="http://schemas.microsoft.com/office/powerpoint/2010/main" val="588386135"/>
+      </p:ext>
+    </p:extLst>
+  </p:cSld>
+  <p:clrMapOvr>
+    <a:masterClrMapping/>
+  </p:clrMapOvr>
+</p:sld>
+</file>
+
+<file path=ppt/slides/slide11.xml><?xml version="1.0" encoding="utf-8"?>
+<p:sld xmlns:a="http://schemas.openxmlformats.org/drawingml/2006/main" xmlns:r="http://schemas.openxmlformats.org/officeDocument/2006/relationships" xmlns:p="http://schemas.openxmlformats.org/presentationml/2006/main">
+  <p:cSld>
+    <p:spTree>
+      <p:nvGrpSpPr>
+        <p:cNvPr id="1" name=""/>
+        <p:cNvGrpSpPr/>
+        <p:nvPr/>
+      </p:nvGrpSpPr>
+      <p:grpSpPr>
+        <a:xfrm>
+          <a:off x="0" y="0"/>
+          <a:ext cx="0" cy="0"/>
+          <a:chOff x="0" y="0"/>
+          <a:chExt cx="0" cy="0"/>
+        </a:xfrm>
+      </p:grpSpPr>
+      <p:sp>
+        <p:nvSpPr>
+          <p:cNvPr id="2" name="Title 1">
+            <a:extLst>
+              <a:ext uri="{FF2B5EF4-FFF2-40B4-BE49-F238E27FC236}">
                 <a16:creationId xmlns:a16="http://schemas.microsoft.com/office/drawing/2014/main" id="{662A29B8-B5CF-8A47-A7A8-8733335EE436}"/>
               </a:ext>
             </a:extLst>
@@ -3485,7 +3554,7 @@
 </p:sld>
 </file>
 
-<file path=ppt/slides/slide11.xml><?xml version="1.0" encoding="utf-8"?>
+<file path=ppt/slides/slide12.xml><?xml version="1.0" encoding="utf-8"?>
 <p:sld xmlns:a="http://schemas.openxmlformats.org/drawingml/2006/main" xmlns:r="http://schemas.openxmlformats.org/officeDocument/2006/relationships" xmlns:p="http://schemas.openxmlformats.org/presentationml/2006/main">
   <p:cSld>
     <p:spTree>
@@ -4410,7 +4479,7 @@
 </p:sld>
 </file>
 
-<file path=ppt/slides/slide12.xml><?xml version="1.0" encoding="utf-8"?>
+<file path=ppt/slides/slide13.xml><?xml version="1.0" encoding="utf-8"?>
 <p:sld xmlns:a="http://schemas.openxmlformats.org/drawingml/2006/main" xmlns:r="http://schemas.openxmlformats.org/officeDocument/2006/relationships" xmlns:p="http://schemas.openxmlformats.org/presentationml/2006/main">
   <p:cSld>
     <p:spTree>
@@ -4717,66 +4786,38 @@
           <p:cNvPr id="2" name="Title 1">
             <a:extLst>
               <a:ext uri="{FF2B5EF4-FFF2-40B4-BE49-F238E27FC236}">
-                <a16:creationId xmlns:a16="http://schemas.microsoft.com/office/drawing/2014/main" id="{AE64AAA0-C990-8A42-917C-66036EFF282C}"/>
-              </a:ext>
-            </a:extLst>
-          </p:cNvPr>
-          <p:cNvSpPr>
-            <a:spLocks noGrp="1"/>
-          </p:cNvSpPr>
-          <p:nvPr>
-            <p:ph type="ctrTitle"/>
-          </p:nvPr>
-        </p:nvSpPr>
-        <p:spPr/>
+                <a16:creationId xmlns:a16="http://schemas.microsoft.com/office/drawing/2014/main" id="{DB9F32CB-B2A9-2444-8E53-05B39566617D}"/>
+              </a:ext>
+            </a:extLst>
+          </p:cNvPr>
+          <p:cNvSpPr>
+            <a:spLocks noGrp="1"/>
+          </p:cNvSpPr>
+          <p:nvPr>
+            <p:ph type="title"/>
+          </p:nvPr>
+        </p:nvSpPr>
+        <p:spPr>
+          <a:xfrm>
+            <a:off x="949036" y="3080616"/>
+            <a:ext cx="10515600" cy="1325563"/>
+          </a:xfrm>
+        </p:spPr>
         <p:txBody>
           <a:bodyPr/>
           <a:lstStyle/>
           <a:p>
             <a:r>
               <a:rPr lang="en-US" dirty="0"/>
-              <a:t>Why </a:t>
-            </a:r>
-            <a:r>
-              <a:rPr lang="en-US" dirty="0" err="1"/>
-              <a:t>tf</a:t>
-            </a:r>
-            <a:r>
-              <a:rPr lang="en-US" dirty="0"/>
-              <a:t> are we building a project</a:t>
-            </a:r>
-          </a:p>
-        </p:txBody>
-      </p:sp>
-      <p:sp>
-        <p:nvSpPr>
-          <p:cNvPr id="3" name="Subtitle 2">
-            <a:extLst>
-              <a:ext uri="{FF2B5EF4-FFF2-40B4-BE49-F238E27FC236}">
-                <a16:creationId xmlns:a16="http://schemas.microsoft.com/office/drawing/2014/main" id="{AFF0ED52-8F48-3242-8796-6600521B27EF}"/>
-              </a:ext>
-            </a:extLst>
-          </p:cNvPr>
-          <p:cNvSpPr>
-            <a:spLocks noGrp="1"/>
-          </p:cNvSpPr>
-          <p:nvPr>
-            <p:ph type="subTitle" idx="1"/>
-          </p:nvPr>
-        </p:nvSpPr>
-        <p:spPr/>
-        <p:txBody>
-          <a:bodyPr/>
-          <a:lstStyle/>
-          <a:p>
-            <a:endParaRPr lang="en-US"/>
+              <a:t>http://pct-tech-team-spring-2019.s3-website-us-east-1.amazonaws.com/</a:t>
+            </a:r>
           </a:p>
         </p:txBody>
       </p:sp>
     </p:spTree>
     <p:extLst>
       <p:ext uri="{BB962C8B-B14F-4D97-AF65-F5344CB8AC3E}">
-        <p14:creationId xmlns:p14="http://schemas.microsoft.com/office/powerpoint/2010/main" val="3938422574"/>
+        <p14:creationId xmlns:p14="http://schemas.microsoft.com/office/powerpoint/2010/main" val="3912114144"/>
       </p:ext>
     </p:extLst>
   </p:cSld>
@@ -4808,15 +4849,15 @@
           <p:cNvPr id="2" name="Title 1">
             <a:extLst>
               <a:ext uri="{FF2B5EF4-FFF2-40B4-BE49-F238E27FC236}">
-                <a16:creationId xmlns:a16="http://schemas.microsoft.com/office/drawing/2014/main" id="{8FFBE290-ACDE-A748-9A5C-954AA0D2C312}"/>
-              </a:ext>
-            </a:extLst>
-          </p:cNvPr>
-          <p:cNvSpPr>
-            <a:spLocks noGrp="1"/>
-          </p:cNvSpPr>
-          <p:nvPr>
-            <p:ph type="title"/>
+                <a16:creationId xmlns:a16="http://schemas.microsoft.com/office/drawing/2014/main" id="{AE64AAA0-C990-8A42-917C-66036EFF282C}"/>
+              </a:ext>
+            </a:extLst>
+          </p:cNvPr>
+          <p:cNvSpPr>
+            <a:spLocks noGrp="1"/>
+          </p:cNvSpPr>
+          <p:nvPr>
+            <p:ph type="ctrTitle"/>
           </p:nvPr>
         </p:nvSpPr>
         <p:spPr/>
@@ -4824,24 +4865,35 @@
           <a:bodyPr/>
           <a:lstStyle/>
           <a:p>
-            <a:endParaRPr lang="en-US" dirty="0"/>
-          </a:p>
-        </p:txBody>
-      </p:sp>
-      <p:sp>
-        <p:nvSpPr>
-          <p:cNvPr id="3" name="Content Placeholder 2">
-            <a:extLst>
-              <a:ext uri="{FF2B5EF4-FFF2-40B4-BE49-F238E27FC236}">
-                <a16:creationId xmlns:a16="http://schemas.microsoft.com/office/drawing/2014/main" id="{F0B2DA49-CEC3-B840-8BB1-FABD24A5D085}"/>
-              </a:ext>
-            </a:extLst>
-          </p:cNvPr>
-          <p:cNvSpPr>
-            <a:spLocks noGrp="1"/>
-          </p:cNvSpPr>
-          <p:nvPr>
-            <p:ph idx="1"/>
+            <a:r>
+              <a:rPr lang="en-US" dirty="0"/>
+              <a:t>Why </a:t>
+            </a:r>
+            <a:r>
+              <a:rPr lang="en-US" dirty="0" err="1"/>
+              <a:t>tf</a:t>
+            </a:r>
+            <a:r>
+              <a:rPr lang="en-US" dirty="0"/>
+              <a:t> are we building a project</a:t>
+            </a:r>
+          </a:p>
+        </p:txBody>
+      </p:sp>
+      <p:sp>
+        <p:nvSpPr>
+          <p:cNvPr id="3" name="Subtitle 2">
+            <a:extLst>
+              <a:ext uri="{FF2B5EF4-FFF2-40B4-BE49-F238E27FC236}">
+                <a16:creationId xmlns:a16="http://schemas.microsoft.com/office/drawing/2014/main" id="{AFF0ED52-8F48-3242-8796-6600521B27EF}"/>
+              </a:ext>
+            </a:extLst>
+          </p:cNvPr>
+          <p:cNvSpPr>
+            <a:spLocks noGrp="1"/>
+          </p:cNvSpPr>
+          <p:nvPr>
+            <p:ph type="subTitle" idx="1"/>
           </p:nvPr>
         </p:nvSpPr>
         <p:spPr/>
@@ -4849,68 +4901,14 @@
           <a:bodyPr/>
           <a:lstStyle/>
           <a:p>
-            <a:pPr marL="514350" indent="-514350">
-              <a:buFont typeface="+mj-lt"/>
-              <a:buAutoNum type="arabicPeriod"/>
-            </a:pPr>
-            <a:r>
-              <a:rPr lang="en-US" dirty="0"/>
-              <a:t>Gain “industry” experience</a:t>
-            </a:r>
-          </a:p>
-          <a:p>
-            <a:pPr marL="514350" indent="-514350">
-              <a:buFont typeface="+mj-lt"/>
-              <a:buAutoNum type="arabicPeriod"/>
-            </a:pPr>
-            <a:r>
-              <a:rPr lang="en-US" dirty="0"/>
-              <a:t>Companies look for work beyond the classroom </a:t>
-            </a:r>
-          </a:p>
-          <a:p>
-            <a:pPr marL="514350" indent="-514350">
-              <a:buFont typeface="+mj-lt"/>
-              <a:buAutoNum type="arabicPeriod"/>
-            </a:pPr>
-            <a:r>
-              <a:rPr lang="en-US" dirty="0"/>
-              <a:t>Solve a real world business problem</a:t>
-            </a:r>
-          </a:p>
-          <a:p>
-            <a:pPr marL="514350" indent="-514350">
-              <a:buFont typeface="+mj-lt"/>
-              <a:buAutoNum type="arabicPeriod"/>
-            </a:pPr>
-            <a:r>
-              <a:rPr lang="en-US" dirty="0"/>
-              <a:t>Learn cutting edge frameworks and technologies</a:t>
-            </a:r>
-          </a:p>
-          <a:p>
-            <a:pPr marL="514350" indent="-514350">
-              <a:buFont typeface="+mj-lt"/>
-              <a:buAutoNum type="arabicPeriod"/>
-            </a:pPr>
-            <a:r>
-              <a:rPr lang="en-US" dirty="0"/>
-              <a:t>Teamwork!</a:t>
-            </a:r>
-          </a:p>
-          <a:p>
-            <a:pPr marL="514350" indent="-514350">
-              <a:buFont typeface="+mj-lt"/>
-              <a:buAutoNum type="arabicPeriod"/>
-            </a:pPr>
-            <a:endParaRPr lang="en-US" dirty="0"/>
+            <a:endParaRPr lang="en-US"/>
           </a:p>
         </p:txBody>
       </p:sp>
     </p:spTree>
     <p:extLst>
       <p:ext uri="{BB962C8B-B14F-4D97-AF65-F5344CB8AC3E}">
-        <p14:creationId xmlns:p14="http://schemas.microsoft.com/office/powerpoint/2010/main" val="1258172697"/>
+        <p14:creationId xmlns:p14="http://schemas.microsoft.com/office/powerpoint/2010/main" val="3938422574"/>
       </p:ext>
     </p:extLst>
   </p:cSld>
@@ -4942,6 +4940,140 @@
           <p:cNvPr id="2" name="Title 1">
             <a:extLst>
               <a:ext uri="{FF2B5EF4-FFF2-40B4-BE49-F238E27FC236}">
+                <a16:creationId xmlns:a16="http://schemas.microsoft.com/office/drawing/2014/main" id="{8FFBE290-ACDE-A748-9A5C-954AA0D2C312}"/>
+              </a:ext>
+            </a:extLst>
+          </p:cNvPr>
+          <p:cNvSpPr>
+            <a:spLocks noGrp="1"/>
+          </p:cNvSpPr>
+          <p:nvPr>
+            <p:ph type="title"/>
+          </p:nvPr>
+        </p:nvSpPr>
+        <p:spPr/>
+        <p:txBody>
+          <a:bodyPr/>
+          <a:lstStyle/>
+          <a:p>
+            <a:endParaRPr lang="en-US" dirty="0"/>
+          </a:p>
+        </p:txBody>
+      </p:sp>
+      <p:sp>
+        <p:nvSpPr>
+          <p:cNvPr id="3" name="Content Placeholder 2">
+            <a:extLst>
+              <a:ext uri="{FF2B5EF4-FFF2-40B4-BE49-F238E27FC236}">
+                <a16:creationId xmlns:a16="http://schemas.microsoft.com/office/drawing/2014/main" id="{F0B2DA49-CEC3-B840-8BB1-FABD24A5D085}"/>
+              </a:ext>
+            </a:extLst>
+          </p:cNvPr>
+          <p:cNvSpPr>
+            <a:spLocks noGrp="1"/>
+          </p:cNvSpPr>
+          <p:nvPr>
+            <p:ph idx="1"/>
+          </p:nvPr>
+        </p:nvSpPr>
+        <p:spPr/>
+        <p:txBody>
+          <a:bodyPr/>
+          <a:lstStyle/>
+          <a:p>
+            <a:pPr marL="514350" indent="-514350">
+              <a:buFont typeface="+mj-lt"/>
+              <a:buAutoNum type="arabicPeriod"/>
+            </a:pPr>
+            <a:r>
+              <a:rPr lang="en-US" dirty="0"/>
+              <a:t>Gain “industry” experience</a:t>
+            </a:r>
+          </a:p>
+          <a:p>
+            <a:pPr marL="514350" indent="-514350">
+              <a:buFont typeface="+mj-lt"/>
+              <a:buAutoNum type="arabicPeriod"/>
+            </a:pPr>
+            <a:r>
+              <a:rPr lang="en-US" dirty="0"/>
+              <a:t>Companies look for work beyond the classroom </a:t>
+            </a:r>
+          </a:p>
+          <a:p>
+            <a:pPr marL="514350" indent="-514350">
+              <a:buFont typeface="+mj-lt"/>
+              <a:buAutoNum type="arabicPeriod"/>
+            </a:pPr>
+            <a:r>
+              <a:rPr lang="en-US" dirty="0"/>
+              <a:t>Solve a real world business problem</a:t>
+            </a:r>
+          </a:p>
+          <a:p>
+            <a:pPr marL="514350" indent="-514350">
+              <a:buFont typeface="+mj-lt"/>
+              <a:buAutoNum type="arabicPeriod"/>
+            </a:pPr>
+            <a:r>
+              <a:rPr lang="en-US" dirty="0"/>
+              <a:t>Learn cutting edge frameworks and technologies</a:t>
+            </a:r>
+          </a:p>
+          <a:p>
+            <a:pPr marL="514350" indent="-514350">
+              <a:buFont typeface="+mj-lt"/>
+              <a:buAutoNum type="arabicPeriod"/>
+            </a:pPr>
+            <a:r>
+              <a:rPr lang="en-US" dirty="0"/>
+              <a:t>Teamwork!</a:t>
+            </a:r>
+          </a:p>
+          <a:p>
+            <a:pPr marL="514350" indent="-514350">
+              <a:buFont typeface="+mj-lt"/>
+              <a:buAutoNum type="arabicPeriod"/>
+            </a:pPr>
+            <a:endParaRPr lang="en-US" dirty="0"/>
+          </a:p>
+        </p:txBody>
+      </p:sp>
+    </p:spTree>
+    <p:extLst>
+      <p:ext uri="{BB962C8B-B14F-4D97-AF65-F5344CB8AC3E}">
+        <p14:creationId xmlns:p14="http://schemas.microsoft.com/office/powerpoint/2010/main" val="1258172697"/>
+      </p:ext>
+    </p:extLst>
+  </p:cSld>
+  <p:clrMapOvr>
+    <a:masterClrMapping/>
+  </p:clrMapOvr>
+</p:sld>
+</file>
+
+<file path=ppt/slides/slide6.xml><?xml version="1.0" encoding="utf-8"?>
+<p:sld xmlns:a="http://schemas.openxmlformats.org/drawingml/2006/main" xmlns:r="http://schemas.openxmlformats.org/officeDocument/2006/relationships" xmlns:p="http://schemas.openxmlformats.org/presentationml/2006/main">
+  <p:cSld>
+    <p:spTree>
+      <p:nvGrpSpPr>
+        <p:cNvPr id="1" name=""/>
+        <p:cNvGrpSpPr/>
+        <p:nvPr/>
+      </p:nvGrpSpPr>
+      <p:grpSpPr>
+        <a:xfrm>
+          <a:off x="0" y="0"/>
+          <a:ext cx="0" cy="0"/>
+          <a:chOff x="0" y="0"/>
+          <a:chExt cx="0" cy="0"/>
+        </a:xfrm>
+      </p:grpSpPr>
+      <p:sp>
+        <p:nvSpPr>
+          <p:cNvPr id="2" name="Title 1">
+            <a:extLst>
+              <a:ext uri="{FF2B5EF4-FFF2-40B4-BE49-F238E27FC236}">
                 <a16:creationId xmlns:a16="http://schemas.microsoft.com/office/drawing/2014/main" id="{1A1CA2D3-844D-1B4D-9B68-B60604264F76}"/>
               </a:ext>
             </a:extLst>
@@ -5030,7 +5162,7 @@
 </p:sld>
 </file>
 
-<file path=ppt/slides/slide6.xml><?xml version="1.0" encoding="utf-8"?>
+<file path=ppt/slides/slide7.xml><?xml version="1.0" encoding="utf-8"?>
 <p:sld xmlns:a="http://schemas.openxmlformats.org/drawingml/2006/main" xmlns:r="http://schemas.openxmlformats.org/officeDocument/2006/relationships" xmlns:p="http://schemas.openxmlformats.org/presentationml/2006/main">
   <p:cSld>
     <p:spTree>
@@ -5147,7 +5279,7 @@
 </p:sld>
 </file>
 
-<file path=ppt/slides/slide7.xml><?xml version="1.0" encoding="utf-8"?>
+<file path=ppt/slides/slide8.xml><?xml version="1.0" encoding="utf-8"?>
 <p:sld xmlns:a="http://schemas.openxmlformats.org/drawingml/2006/main" xmlns:r="http://schemas.openxmlformats.org/officeDocument/2006/relationships" xmlns:p="http://schemas.openxmlformats.org/presentationml/2006/main">
   <p:cSld>
     <p:spTree>
@@ -5264,89 +5396,6 @@
 </p:sld>
 </file>
 
-<file path=ppt/slides/slide8.xml><?xml version="1.0" encoding="utf-8"?>
-<p:sld xmlns:a="http://schemas.openxmlformats.org/drawingml/2006/main" xmlns:r="http://schemas.openxmlformats.org/officeDocument/2006/relationships" xmlns:p="http://schemas.openxmlformats.org/presentationml/2006/main">
-  <p:cSld>
-    <p:spTree>
-      <p:nvGrpSpPr>
-        <p:cNvPr id="1" name=""/>
-        <p:cNvGrpSpPr/>
-        <p:nvPr/>
-      </p:nvGrpSpPr>
-      <p:grpSpPr>
-        <a:xfrm>
-          <a:off x="0" y="0"/>
-          <a:ext cx="0" cy="0"/>
-          <a:chOff x="0" y="0"/>
-          <a:chExt cx="0" cy="0"/>
-        </a:xfrm>
-      </p:grpSpPr>
-      <p:sp>
-        <p:nvSpPr>
-          <p:cNvPr id="2" name="Title 1">
-            <a:extLst>
-              <a:ext uri="{FF2B5EF4-FFF2-40B4-BE49-F238E27FC236}">
-                <a16:creationId xmlns:a16="http://schemas.microsoft.com/office/drawing/2014/main" id="{AE64AAA0-C990-8A42-917C-66036EFF282C}"/>
-              </a:ext>
-            </a:extLst>
-          </p:cNvPr>
-          <p:cNvSpPr>
-            <a:spLocks noGrp="1"/>
-          </p:cNvSpPr>
-          <p:nvPr>
-            <p:ph type="ctrTitle"/>
-          </p:nvPr>
-        </p:nvSpPr>
-        <p:spPr/>
-        <p:txBody>
-          <a:bodyPr/>
-          <a:lstStyle/>
-          <a:p>
-            <a:r>
-              <a:rPr lang="en-US" dirty="0"/>
-              <a:t>What Project are we building</a:t>
-            </a:r>
-          </a:p>
-        </p:txBody>
-      </p:sp>
-      <p:sp>
-        <p:nvSpPr>
-          <p:cNvPr id="3" name="Subtitle 2">
-            <a:extLst>
-              <a:ext uri="{FF2B5EF4-FFF2-40B4-BE49-F238E27FC236}">
-                <a16:creationId xmlns:a16="http://schemas.microsoft.com/office/drawing/2014/main" id="{AFF0ED52-8F48-3242-8796-6600521B27EF}"/>
-              </a:ext>
-            </a:extLst>
-          </p:cNvPr>
-          <p:cNvSpPr>
-            <a:spLocks noGrp="1"/>
-          </p:cNvSpPr>
-          <p:nvPr>
-            <p:ph type="subTitle" idx="1"/>
-          </p:nvPr>
-        </p:nvSpPr>
-        <p:spPr/>
-        <p:txBody>
-          <a:bodyPr/>
-          <a:lstStyle/>
-          <a:p>
-            <a:endParaRPr lang="en-US" dirty="0"/>
-          </a:p>
-        </p:txBody>
-      </p:sp>
-    </p:spTree>
-    <p:extLst>
-      <p:ext uri="{BB962C8B-B14F-4D97-AF65-F5344CB8AC3E}">
-        <p14:creationId xmlns:p14="http://schemas.microsoft.com/office/powerpoint/2010/main" val="2709147780"/>
-      </p:ext>
-    </p:extLst>
-  </p:cSld>
-  <p:clrMapOvr>
-    <a:masterClrMapping/>
-  </p:clrMapOvr>
-</p:sld>
-</file>
-
 <file path=ppt/slides/slide9.xml><?xml version="1.0" encoding="utf-8"?>
 <p:sld xmlns:a="http://schemas.openxmlformats.org/drawingml/2006/main" xmlns:r="http://schemas.openxmlformats.org/officeDocument/2006/relationships" xmlns:p="http://schemas.openxmlformats.org/presentationml/2006/main">
   <p:cSld>
@@ -5380,27 +5429,47 @@
             <p:ph type="ctrTitle"/>
           </p:nvPr>
         </p:nvSpPr>
-        <p:spPr>
-          <a:xfrm>
-            <a:off x="1537854" y="1815090"/>
-            <a:ext cx="9144000" cy="2387600"/>
-          </a:xfrm>
-        </p:spPr>
-        <p:txBody>
-          <a:bodyPr/>
-          <a:lstStyle/>
-          <a:p>
-            <a:r>
-              <a:rPr lang="en-US" b="1" dirty="0"/>
-              <a:t>To Solve a Real World Business Problem!!!</a:t>
-            </a:r>
+        <p:spPr/>
+        <p:txBody>
+          <a:bodyPr/>
+          <a:lstStyle/>
+          <a:p>
+            <a:r>
+              <a:rPr lang="en-US" dirty="0"/>
+              <a:t>What Project are we building</a:t>
+            </a:r>
+          </a:p>
+        </p:txBody>
+      </p:sp>
+      <p:sp>
+        <p:nvSpPr>
+          <p:cNvPr id="3" name="Subtitle 2">
+            <a:extLst>
+              <a:ext uri="{FF2B5EF4-FFF2-40B4-BE49-F238E27FC236}">
+                <a16:creationId xmlns:a16="http://schemas.microsoft.com/office/drawing/2014/main" id="{AFF0ED52-8F48-3242-8796-6600521B27EF}"/>
+              </a:ext>
+            </a:extLst>
+          </p:cNvPr>
+          <p:cNvSpPr>
+            <a:spLocks noGrp="1"/>
+          </p:cNvSpPr>
+          <p:nvPr>
+            <p:ph type="subTitle" idx="1"/>
+          </p:nvPr>
+        </p:nvSpPr>
+        <p:spPr/>
+        <p:txBody>
+          <a:bodyPr/>
+          <a:lstStyle/>
+          <a:p>
+            <a:endParaRPr lang="en-US" dirty="0"/>
           </a:p>
         </p:txBody>
       </p:sp>
     </p:spTree>
     <p:extLst>
       <p:ext uri="{BB962C8B-B14F-4D97-AF65-F5344CB8AC3E}">
-        <p14:creationId xmlns:p14="http://schemas.microsoft.com/office/powerpoint/2010/main" val="588386135"/>
+        <p14:creationId xmlns:p14="http://schemas.microsoft.com/office/powerpoint/2010/main" val="2709147780"/>
       </p:ext>
     </p:extLst>
   </p:cSld>
